--- a/Report/parameters.pptx
+++ b/Report/parameters.pptx
@@ -105,6 +105,11 @@
       </a:defRPr>
     </a:lvl9pPr>
   </p:defaultTextStyle>
+  <p:extLst>
+    <p:ext uri="{EFAFB233-063F-42B5-8137-9DF3F51BA10A}">
+      <p15:sldGuideLst xmlns:p15="http://schemas.microsoft.com/office/powerpoint/2012/main"/>
+    </p:ext>
+  </p:extLst>
 </p:presentation>
 </file>
 
@@ -257,7 +262,7 @@
           <a:p>
             <a:fld id="{D330AF82-A751-4B95-B2CD-3F575600A572}" type="datetimeFigureOut">
               <a:rPr lang="en-GB" smtClean="0"/>
-              <a:t>19/12/2018</a:t>
+              <a:t>22/12/2018</a:t>
             </a:fld>
             <a:endParaRPr lang="en-GB"/>
           </a:p>
@@ -457,7 +462,7 @@
           <a:p>
             <a:fld id="{D330AF82-A751-4B95-B2CD-3F575600A572}" type="datetimeFigureOut">
               <a:rPr lang="en-GB" smtClean="0"/>
-              <a:t>19/12/2018</a:t>
+              <a:t>22/12/2018</a:t>
             </a:fld>
             <a:endParaRPr lang="en-GB"/>
           </a:p>
@@ -667,7 +672,7 @@
           <a:p>
             <a:fld id="{D330AF82-A751-4B95-B2CD-3F575600A572}" type="datetimeFigureOut">
               <a:rPr lang="en-GB" smtClean="0"/>
-              <a:t>19/12/2018</a:t>
+              <a:t>22/12/2018</a:t>
             </a:fld>
             <a:endParaRPr lang="en-GB"/>
           </a:p>
@@ -867,7 +872,7 @@
           <a:p>
             <a:fld id="{D330AF82-A751-4B95-B2CD-3F575600A572}" type="datetimeFigureOut">
               <a:rPr lang="en-GB" smtClean="0"/>
-              <a:t>19/12/2018</a:t>
+              <a:t>22/12/2018</a:t>
             </a:fld>
             <a:endParaRPr lang="en-GB"/>
           </a:p>
@@ -1143,7 +1148,7 @@
           <a:p>
             <a:fld id="{D330AF82-A751-4B95-B2CD-3F575600A572}" type="datetimeFigureOut">
               <a:rPr lang="en-GB" smtClean="0"/>
-              <a:t>19/12/2018</a:t>
+              <a:t>22/12/2018</a:t>
             </a:fld>
             <a:endParaRPr lang="en-GB"/>
           </a:p>
@@ -1411,7 +1416,7 @@
           <a:p>
             <a:fld id="{D330AF82-A751-4B95-B2CD-3F575600A572}" type="datetimeFigureOut">
               <a:rPr lang="en-GB" smtClean="0"/>
-              <a:t>19/12/2018</a:t>
+              <a:t>22/12/2018</a:t>
             </a:fld>
             <a:endParaRPr lang="en-GB"/>
           </a:p>
@@ -1826,7 +1831,7 @@
           <a:p>
             <a:fld id="{D330AF82-A751-4B95-B2CD-3F575600A572}" type="datetimeFigureOut">
               <a:rPr lang="en-GB" smtClean="0"/>
-              <a:t>19/12/2018</a:t>
+              <a:t>22/12/2018</a:t>
             </a:fld>
             <a:endParaRPr lang="en-GB"/>
           </a:p>
@@ -1968,7 +1973,7 @@
           <a:p>
             <a:fld id="{D330AF82-A751-4B95-B2CD-3F575600A572}" type="datetimeFigureOut">
               <a:rPr lang="en-GB" smtClean="0"/>
-              <a:t>19/12/2018</a:t>
+              <a:t>22/12/2018</a:t>
             </a:fld>
             <a:endParaRPr lang="en-GB"/>
           </a:p>
@@ -2081,7 +2086,7 @@
           <a:p>
             <a:fld id="{D330AF82-A751-4B95-B2CD-3F575600A572}" type="datetimeFigureOut">
               <a:rPr lang="en-GB" smtClean="0"/>
-              <a:t>19/12/2018</a:t>
+              <a:t>22/12/2018</a:t>
             </a:fld>
             <a:endParaRPr lang="en-GB"/>
           </a:p>
@@ -2394,7 +2399,7 @@
           <a:p>
             <a:fld id="{D330AF82-A751-4B95-B2CD-3F575600A572}" type="datetimeFigureOut">
               <a:rPr lang="en-GB" smtClean="0"/>
-              <a:t>19/12/2018</a:t>
+              <a:t>22/12/2018</a:t>
             </a:fld>
             <a:endParaRPr lang="en-GB"/>
           </a:p>
@@ -2683,7 +2688,7 @@
           <a:p>
             <a:fld id="{D330AF82-A751-4B95-B2CD-3F575600A572}" type="datetimeFigureOut">
               <a:rPr lang="en-GB" smtClean="0"/>
-              <a:t>19/12/2018</a:t>
+              <a:t>22/12/2018</a:t>
             </a:fld>
             <a:endParaRPr lang="en-GB"/>
           </a:p>
@@ -2926,7 +2931,7 @@
           <a:p>
             <a:fld id="{D330AF82-A751-4B95-B2CD-3F575600A572}" type="datetimeFigureOut">
               <a:rPr lang="en-GB" smtClean="0"/>
-              <a:t>19/12/2018</a:t>
+              <a:t>22/12/2018</a:t>
             </a:fld>
             <a:endParaRPr lang="en-GB"/>
           </a:p>
@@ -3924,556 +3929,593 @@
           <a:chExt cx="0" cy="0"/>
         </a:xfrm>
       </p:grpSpPr>
-      <p:pic>
-        <p:nvPicPr>
-          <p:cNvPr id="4" name="Image 3">
-            <a:extLst>
-              <a:ext uri="{FF2B5EF4-FFF2-40B4-BE49-F238E27FC236}">
-                <a16:creationId xmlns:a16="http://schemas.microsoft.com/office/drawing/2014/main" id="{00F601EB-E598-4BA0-B499-B9B95C54E53C}"/>
-              </a:ext>
-            </a:extLst>
-          </p:cNvPr>
-          <p:cNvPicPr>
-            <a:picLocks noChangeAspect="1"/>
-          </p:cNvPicPr>
+      <p:grpSp>
+        <p:nvGrpSpPr>
+          <p:cNvPr id="44" name="Groupe 43">
+            <a:extLst>
+              <a:ext uri="{FF2B5EF4-FFF2-40B4-BE49-F238E27FC236}">
+                <a16:creationId xmlns:a16="http://schemas.microsoft.com/office/drawing/2014/main" id="{7D23BA62-EDC5-4C8C-B5E3-D5760B3981B9}"/>
+              </a:ext>
+            </a:extLst>
+          </p:cNvPr>
+          <p:cNvGrpSpPr/>
           <p:nvPr/>
-        </p:nvPicPr>
-        <p:blipFill rotWithShape="1">
-          <a:blip r:embed="rId2"/>
-          <a:srcRect l="22501" t="6377"/>
-          <a:stretch/>
-        </p:blipFill>
-        <p:spPr>
+        </p:nvGrpSpPr>
+        <p:grpSpPr>
           <a:xfrm>
             <a:off x="3982278" y="79907"/>
             <a:ext cx="4327456" cy="6804204"/>
+            <a:chOff x="3982278" y="79907"/>
+            <a:chExt cx="4327456" cy="6804204"/>
           </a:xfrm>
-          <a:prstGeom prst="rect">
-            <a:avLst/>
-          </a:prstGeom>
-        </p:spPr>
-      </p:pic>
-      <p:cxnSp>
-        <p:nvCxnSpPr>
-          <p:cNvPr id="5" name="Connecteur droit avec flèche 4">
-            <a:extLst>
-              <a:ext uri="{FF2B5EF4-FFF2-40B4-BE49-F238E27FC236}">
-                <a16:creationId xmlns:a16="http://schemas.microsoft.com/office/drawing/2014/main" id="{A27CCEEC-5049-44E8-8843-CCEC50218697}"/>
-              </a:ext>
-            </a:extLst>
-          </p:cNvPr>
-          <p:cNvCxnSpPr>
-            <a:cxnSpLocks/>
-          </p:cNvCxnSpPr>
-          <p:nvPr/>
-        </p:nvCxnSpPr>
-        <p:spPr>
-          <a:xfrm flipH="1" flipV="1">
-            <a:off x="6440556" y="139149"/>
-            <a:ext cx="1220674" cy="5565913"/>
-          </a:xfrm>
-          <a:prstGeom prst="straightConnector1">
-            <a:avLst/>
-          </a:prstGeom>
-          <a:ln w="57150">
-            <a:solidFill>
-              <a:srgbClr val="FF0000"/>
-            </a:solidFill>
-            <a:tailEnd type="triangle"/>
-          </a:ln>
-        </p:spPr>
-        <p:style>
-          <a:lnRef idx="1">
-            <a:schemeClr val="accent1"/>
-          </a:lnRef>
-          <a:fillRef idx="0">
-            <a:schemeClr val="accent1"/>
-          </a:fillRef>
-          <a:effectRef idx="0">
-            <a:schemeClr val="accent1"/>
-          </a:effectRef>
-          <a:fontRef idx="minor">
-            <a:schemeClr val="tx1"/>
-          </a:fontRef>
-        </p:style>
-      </p:cxnSp>
-      <p:cxnSp>
-        <p:nvCxnSpPr>
-          <p:cNvPr id="6" name="Connecteur droit avec flèche 5">
-            <a:extLst>
-              <a:ext uri="{FF2B5EF4-FFF2-40B4-BE49-F238E27FC236}">
-                <a16:creationId xmlns:a16="http://schemas.microsoft.com/office/drawing/2014/main" id="{3688DD8A-EDC1-40AA-91D1-789BA5B91691}"/>
-              </a:ext>
-            </a:extLst>
-          </p:cNvPr>
-          <p:cNvCxnSpPr>
-            <a:cxnSpLocks/>
-          </p:cNvCxnSpPr>
-          <p:nvPr/>
-        </p:nvCxnSpPr>
-        <p:spPr>
-          <a:xfrm>
-            <a:off x="4200939" y="1600092"/>
-            <a:ext cx="357809" cy="0"/>
-          </a:xfrm>
-          <a:prstGeom prst="straightConnector1">
-            <a:avLst/>
-          </a:prstGeom>
-          <a:ln w="57150">
-            <a:solidFill>
-              <a:srgbClr val="FF0000"/>
-            </a:solidFill>
-            <a:tailEnd type="triangle"/>
-          </a:ln>
-        </p:spPr>
-        <p:style>
-          <a:lnRef idx="1">
-            <a:schemeClr val="accent1"/>
-          </a:lnRef>
-          <a:fillRef idx="0">
-            <a:schemeClr val="accent1"/>
-          </a:fillRef>
-          <a:effectRef idx="0">
-            <a:schemeClr val="accent1"/>
-          </a:effectRef>
-          <a:fontRef idx="minor">
-            <a:schemeClr val="tx1"/>
-          </a:fontRef>
-        </p:style>
-      </p:cxnSp>
-      <p:cxnSp>
-        <p:nvCxnSpPr>
-          <p:cNvPr id="7" name="Connecteur droit avec flèche 6">
-            <a:extLst>
-              <a:ext uri="{FF2B5EF4-FFF2-40B4-BE49-F238E27FC236}">
-                <a16:creationId xmlns:a16="http://schemas.microsoft.com/office/drawing/2014/main" id="{4D599AE3-5182-45F7-BD6F-8F308621CC9C}"/>
-              </a:ext>
-            </a:extLst>
-          </p:cNvPr>
-          <p:cNvCxnSpPr>
-            <a:cxnSpLocks/>
-          </p:cNvCxnSpPr>
-          <p:nvPr/>
-        </p:nvCxnSpPr>
-        <p:spPr>
-          <a:xfrm>
-            <a:off x="4200938" y="1865136"/>
-            <a:ext cx="357809" cy="0"/>
-          </a:xfrm>
-          <a:prstGeom prst="straightConnector1">
-            <a:avLst/>
-          </a:prstGeom>
-          <a:ln w="57150">
+        </p:grpSpPr>
+        <p:pic>
+          <p:nvPicPr>
+            <p:cNvPr id="4" name="Image 3">
+              <a:extLst>
+                <a:ext uri="{FF2B5EF4-FFF2-40B4-BE49-F238E27FC236}">
+                  <a16:creationId xmlns:a16="http://schemas.microsoft.com/office/drawing/2014/main" id="{00F601EB-E598-4BA0-B499-B9B95C54E53C}"/>
+                </a:ext>
+              </a:extLst>
+            </p:cNvPr>
+            <p:cNvPicPr>
+              <a:picLocks noChangeAspect="1"/>
+            </p:cNvPicPr>
+            <p:nvPr/>
+          </p:nvPicPr>
+          <p:blipFill rotWithShape="1">
+            <a:blip r:embed="rId2"/>
+            <a:srcRect l="22501" t="6377"/>
+            <a:stretch/>
+          </p:blipFill>
+          <p:spPr>
+            <a:xfrm>
+              <a:off x="3982278" y="79907"/>
+              <a:ext cx="4327456" cy="6804204"/>
+            </a:xfrm>
+            <a:prstGeom prst="rect">
+              <a:avLst/>
+            </a:prstGeom>
+          </p:spPr>
+        </p:pic>
+        <p:cxnSp>
+          <p:nvCxnSpPr>
+            <p:cNvPr id="5" name="Connecteur droit avec flèche 4">
+              <a:extLst>
+                <a:ext uri="{FF2B5EF4-FFF2-40B4-BE49-F238E27FC236}">
+                  <a16:creationId xmlns:a16="http://schemas.microsoft.com/office/drawing/2014/main" id="{A27CCEEC-5049-44E8-8843-CCEC50218697}"/>
+                </a:ext>
+              </a:extLst>
+            </p:cNvPr>
+            <p:cNvCxnSpPr>
+              <a:cxnSpLocks/>
+            </p:cNvCxnSpPr>
+            <p:nvPr/>
+          </p:nvCxnSpPr>
+          <p:spPr>
+            <a:xfrm flipH="1" flipV="1">
+              <a:off x="6440556" y="139150"/>
+              <a:ext cx="1220674" cy="5565913"/>
+            </a:xfrm>
+            <a:prstGeom prst="straightConnector1">
+              <a:avLst/>
+            </a:prstGeom>
+            <a:ln w="57150" cap="flat" cmpd="sng" algn="ctr">
+              <a:solidFill>
+                <a:srgbClr val="FF0000"/>
+              </a:solidFill>
+              <a:prstDash val="solid"/>
+              <a:round/>
+              <a:headEnd type="arrow" w="med" len="med"/>
+              <a:tailEnd type="arrow" w="med" len="med"/>
+            </a:ln>
+          </p:spPr>
+          <p:style>
+            <a:lnRef idx="0">
+              <a:scrgbClr r="0" g="0" b="0"/>
+            </a:lnRef>
+            <a:fillRef idx="0">
+              <a:scrgbClr r="0" g="0" b="0"/>
+            </a:fillRef>
+            <a:effectRef idx="0">
+              <a:scrgbClr r="0" g="0" b="0"/>
+            </a:effectRef>
+            <a:fontRef idx="minor">
+              <a:schemeClr val="tx1"/>
+            </a:fontRef>
+          </p:style>
+        </p:cxnSp>
+        <p:cxnSp>
+          <p:nvCxnSpPr>
+            <p:cNvPr id="9" name="Connecteur droit avec flèche 8">
+              <a:extLst>
+                <a:ext uri="{FF2B5EF4-FFF2-40B4-BE49-F238E27FC236}">
+                  <a16:creationId xmlns:a16="http://schemas.microsoft.com/office/drawing/2014/main" id="{3505B584-45B4-4096-B457-B5339A63178B}"/>
+                </a:ext>
+              </a:extLst>
+            </p:cNvPr>
+            <p:cNvCxnSpPr>
+              <a:cxnSpLocks/>
+            </p:cNvCxnSpPr>
+            <p:nvPr/>
+          </p:nvCxnSpPr>
+          <p:spPr>
+            <a:xfrm flipV="1">
+              <a:off x="6528262" y="2255521"/>
+              <a:ext cx="1250649" cy="332509"/>
+            </a:xfrm>
+            <a:prstGeom prst="straightConnector1">
+              <a:avLst/>
+            </a:prstGeom>
+            <a:ln w="57150" cap="flat" cmpd="sng" algn="ctr">
+              <a:solidFill>
+                <a:srgbClr val="00B0F0"/>
+              </a:solidFill>
+              <a:prstDash val="solid"/>
+              <a:round/>
+              <a:headEnd type="arrow" w="med" len="med"/>
+              <a:tailEnd type="arrow" w="med" len="med"/>
+            </a:ln>
+          </p:spPr>
+          <p:style>
+            <a:lnRef idx="0">
+              <a:scrgbClr r="0" g="0" b="0"/>
+            </a:lnRef>
+            <a:fillRef idx="0">
+              <a:scrgbClr r="0" g="0" b="0"/>
+            </a:fillRef>
+            <a:effectRef idx="0">
+              <a:scrgbClr r="0" g="0" b="0"/>
+            </a:effectRef>
+            <a:fontRef idx="minor">
+              <a:schemeClr val="tx1"/>
+            </a:fontRef>
+          </p:style>
+        </p:cxnSp>
+        <p:sp>
+          <p:nvSpPr>
+            <p:cNvPr id="13" name="Flèche : courbe vers la droite 12">
+              <a:extLst>
+                <a:ext uri="{FF2B5EF4-FFF2-40B4-BE49-F238E27FC236}">
+                  <a16:creationId xmlns:a16="http://schemas.microsoft.com/office/drawing/2014/main" id="{BCDA3228-2F1B-427F-885E-831C64815D7B}"/>
+                </a:ext>
+              </a:extLst>
+            </p:cNvPr>
+            <p:cNvSpPr/>
+            <p:nvPr/>
+          </p:nvSpPr>
+          <p:spPr>
+            <a:xfrm flipH="1">
+              <a:off x="7757373" y="1978886"/>
+              <a:ext cx="444367" cy="902860"/>
+            </a:xfrm>
+            <a:prstGeom prst="curvedRightArrow">
+              <a:avLst/>
+            </a:prstGeom>
             <a:solidFill>
               <a:srgbClr val="92D050"/>
             </a:solidFill>
-            <a:tailEnd type="triangle"/>
-          </a:ln>
-        </p:spPr>
-        <p:style>
-          <a:lnRef idx="1">
-            <a:schemeClr val="accent1"/>
-          </a:lnRef>
-          <a:fillRef idx="0">
-            <a:schemeClr val="accent1"/>
-          </a:fillRef>
-          <a:effectRef idx="0">
-            <a:schemeClr val="accent1"/>
-          </a:effectRef>
-          <a:fontRef idx="minor">
-            <a:schemeClr val="tx1"/>
-          </a:fontRef>
-        </p:style>
-      </p:cxnSp>
-      <p:cxnSp>
-        <p:nvCxnSpPr>
-          <p:cNvPr id="8" name="Connecteur droit avec flèche 7">
-            <a:extLst>
-              <a:ext uri="{FF2B5EF4-FFF2-40B4-BE49-F238E27FC236}">
-                <a16:creationId xmlns:a16="http://schemas.microsoft.com/office/drawing/2014/main" id="{3644F636-BE72-43AE-98BB-53E74586EF9B}"/>
-              </a:ext>
-            </a:extLst>
-          </p:cNvPr>
-          <p:cNvCxnSpPr>
-            <a:cxnSpLocks/>
-          </p:cNvCxnSpPr>
-          <p:nvPr/>
-        </p:nvCxnSpPr>
-        <p:spPr>
-          <a:xfrm>
-            <a:off x="7666383" y="5705062"/>
-            <a:ext cx="357809" cy="0"/>
-          </a:xfrm>
-          <a:prstGeom prst="straightConnector1">
-            <a:avLst/>
-          </a:prstGeom>
-          <a:ln w="57150">
+            <a:ln>
+              <a:solidFill>
+                <a:schemeClr val="tx1"/>
+              </a:solidFill>
+            </a:ln>
+          </p:spPr>
+          <p:style>
+            <a:lnRef idx="2">
+              <a:schemeClr val="accent1">
+                <a:shade val="50000"/>
+              </a:schemeClr>
+            </a:lnRef>
+            <a:fillRef idx="1">
+              <a:schemeClr val="accent1"/>
+            </a:fillRef>
+            <a:effectRef idx="0">
+              <a:schemeClr val="accent1"/>
+            </a:effectRef>
+            <a:fontRef idx="minor">
+              <a:schemeClr val="lt1"/>
+            </a:fontRef>
+          </p:style>
+          <p:txBody>
+            <a:bodyPr rtlCol="0" anchor="ctr"/>
+            <a:lstStyle/>
+            <a:p>
+              <a:pPr algn="ctr"/>
+              <a:endParaRPr lang="en-GB">
+                <a:solidFill>
+                  <a:schemeClr val="tx1"/>
+                </a:solidFill>
+              </a:endParaRPr>
+            </a:p>
+          </p:txBody>
+        </p:sp>
+        <p:sp>
+          <p:nvSpPr>
+            <p:cNvPr id="14" name="Flèche : courbe vers la droite 13">
+              <a:extLst>
+                <a:ext uri="{FF2B5EF4-FFF2-40B4-BE49-F238E27FC236}">
+                  <a16:creationId xmlns:a16="http://schemas.microsoft.com/office/drawing/2014/main" id="{76D87294-1B7C-4466-9288-1043B618BCFA}"/>
+                </a:ext>
+              </a:extLst>
+            </p:cNvPr>
+            <p:cNvSpPr/>
+            <p:nvPr/>
+          </p:nvSpPr>
+          <p:spPr>
+            <a:xfrm flipH="1">
+              <a:off x="4450772" y="5705062"/>
+              <a:ext cx="149692" cy="195458"/>
+            </a:xfrm>
+            <a:prstGeom prst="curvedRightArrow">
+              <a:avLst/>
+            </a:prstGeom>
             <a:solidFill>
               <a:srgbClr val="92D050"/>
             </a:solidFill>
-            <a:tailEnd type="triangle"/>
-          </a:ln>
-        </p:spPr>
-        <p:style>
-          <a:lnRef idx="1">
-            <a:schemeClr val="accent1"/>
-          </a:lnRef>
-          <a:fillRef idx="0">
-            <a:schemeClr val="accent1"/>
-          </a:fillRef>
-          <a:effectRef idx="0">
-            <a:schemeClr val="accent1"/>
-          </a:effectRef>
-          <a:fontRef idx="minor">
-            <a:schemeClr val="tx1"/>
-          </a:fontRef>
-        </p:style>
-      </p:cxnSp>
-      <p:cxnSp>
-        <p:nvCxnSpPr>
-          <p:cNvPr id="9" name="Connecteur droit avec flèche 8">
-            <a:extLst>
-              <a:ext uri="{FF2B5EF4-FFF2-40B4-BE49-F238E27FC236}">
-                <a16:creationId xmlns:a16="http://schemas.microsoft.com/office/drawing/2014/main" id="{3505B584-45B4-4096-B457-B5339A63178B}"/>
-              </a:ext>
-            </a:extLst>
-          </p:cNvPr>
-          <p:cNvCxnSpPr>
-            <a:cxnSpLocks/>
-          </p:cNvCxnSpPr>
-          <p:nvPr/>
-        </p:nvCxnSpPr>
-        <p:spPr>
-          <a:xfrm flipV="1">
-            <a:off x="6599583" y="2310851"/>
-            <a:ext cx="1157792" cy="306453"/>
-          </a:xfrm>
-          <a:prstGeom prst="straightConnector1">
-            <a:avLst/>
-          </a:prstGeom>
-          <a:ln w="57150">
-            <a:solidFill>
-              <a:srgbClr val="00B0F0"/>
-            </a:solidFill>
-            <a:tailEnd type="triangle"/>
-          </a:ln>
-        </p:spPr>
-        <p:style>
-          <a:lnRef idx="1">
-            <a:schemeClr val="accent1"/>
-          </a:lnRef>
-          <a:fillRef idx="0">
-            <a:schemeClr val="accent1"/>
-          </a:fillRef>
-          <a:effectRef idx="0">
-            <a:schemeClr val="accent1"/>
-          </a:effectRef>
-          <a:fontRef idx="minor">
-            <a:schemeClr val="tx1"/>
-          </a:fontRef>
-        </p:style>
-      </p:cxnSp>
-      <p:cxnSp>
-        <p:nvCxnSpPr>
-          <p:cNvPr id="10" name="Connecteur droit avec flèche 9">
-            <a:extLst>
-              <a:ext uri="{FF2B5EF4-FFF2-40B4-BE49-F238E27FC236}">
-                <a16:creationId xmlns:a16="http://schemas.microsoft.com/office/drawing/2014/main" id="{0D7ED76D-5FCD-4828-870F-67619C7D3470}"/>
-              </a:ext>
-            </a:extLst>
-          </p:cNvPr>
-          <p:cNvCxnSpPr>
-            <a:cxnSpLocks/>
-          </p:cNvCxnSpPr>
-          <p:nvPr/>
-        </p:nvCxnSpPr>
-        <p:spPr>
-          <a:xfrm flipV="1">
-            <a:off x="6798364" y="3167270"/>
-            <a:ext cx="1119810" cy="314740"/>
-          </a:xfrm>
-          <a:prstGeom prst="straightConnector1">
-            <a:avLst/>
-          </a:prstGeom>
-          <a:ln w="57150">
-            <a:solidFill>
-              <a:srgbClr val="00B0F0"/>
-            </a:solidFill>
-            <a:tailEnd type="triangle"/>
-          </a:ln>
-        </p:spPr>
-        <p:style>
-          <a:lnRef idx="1">
-            <a:schemeClr val="accent1"/>
-          </a:lnRef>
-          <a:fillRef idx="0">
-            <a:schemeClr val="accent1"/>
-          </a:fillRef>
-          <a:effectRef idx="0">
-            <a:schemeClr val="accent1"/>
-          </a:effectRef>
-          <a:fontRef idx="minor">
-            <a:schemeClr val="tx1"/>
-          </a:fontRef>
-        </p:style>
-      </p:cxnSp>
-      <p:cxnSp>
-        <p:nvCxnSpPr>
-          <p:cNvPr id="11" name="Connecteur droit avec flèche 10">
-            <a:extLst>
-              <a:ext uri="{FF2B5EF4-FFF2-40B4-BE49-F238E27FC236}">
-                <a16:creationId xmlns:a16="http://schemas.microsoft.com/office/drawing/2014/main" id="{B0F5D7B7-1F71-4B93-A6F5-D17F358F7CF6}"/>
-              </a:ext>
-            </a:extLst>
-          </p:cNvPr>
-          <p:cNvCxnSpPr>
-            <a:cxnSpLocks/>
-          </p:cNvCxnSpPr>
-          <p:nvPr/>
-        </p:nvCxnSpPr>
-        <p:spPr>
-          <a:xfrm flipV="1">
-            <a:off x="6440555" y="1510748"/>
-            <a:ext cx="1099932" cy="274985"/>
-          </a:xfrm>
-          <a:prstGeom prst="straightConnector1">
-            <a:avLst/>
-          </a:prstGeom>
-          <a:ln w="57150">
-            <a:solidFill>
-              <a:srgbClr val="00B0F0"/>
-            </a:solidFill>
-            <a:tailEnd type="triangle"/>
-          </a:ln>
-        </p:spPr>
-        <p:style>
-          <a:lnRef idx="1">
-            <a:schemeClr val="accent1"/>
-          </a:lnRef>
-          <a:fillRef idx="0">
-            <a:schemeClr val="accent1"/>
-          </a:fillRef>
-          <a:effectRef idx="0">
-            <a:schemeClr val="accent1"/>
-          </a:effectRef>
-          <a:fontRef idx="minor">
-            <a:schemeClr val="tx1"/>
-          </a:fontRef>
-        </p:style>
-      </p:cxnSp>
-      <p:cxnSp>
-        <p:nvCxnSpPr>
-          <p:cNvPr id="12" name="Connecteur droit avec flèche 11">
-            <a:extLst>
-              <a:ext uri="{FF2B5EF4-FFF2-40B4-BE49-F238E27FC236}">
-                <a16:creationId xmlns:a16="http://schemas.microsoft.com/office/drawing/2014/main" id="{C1DC7C0F-F8EB-4F61-BF5F-932AFAF5640C}"/>
-              </a:ext>
-            </a:extLst>
-          </p:cNvPr>
-          <p:cNvCxnSpPr>
-            <a:cxnSpLocks/>
-          </p:cNvCxnSpPr>
-          <p:nvPr/>
-        </p:nvCxnSpPr>
-        <p:spPr>
-          <a:xfrm>
-            <a:off x="4200938" y="2136806"/>
-            <a:ext cx="357809" cy="0"/>
-          </a:xfrm>
-          <a:prstGeom prst="straightConnector1">
-            <a:avLst/>
-          </a:prstGeom>
-          <a:ln w="57150">
-            <a:solidFill>
-              <a:srgbClr val="00B0F0"/>
-            </a:solidFill>
-            <a:tailEnd type="triangle"/>
-          </a:ln>
-        </p:spPr>
-        <p:style>
-          <a:lnRef idx="1">
-            <a:schemeClr val="accent1"/>
-          </a:lnRef>
-          <a:fillRef idx="0">
-            <a:schemeClr val="accent1"/>
-          </a:fillRef>
-          <a:effectRef idx="0">
-            <a:schemeClr val="accent1"/>
-          </a:effectRef>
-          <a:fontRef idx="minor">
-            <a:schemeClr val="tx1"/>
-          </a:fontRef>
-        </p:style>
-      </p:cxnSp>
-      <p:sp>
-        <p:nvSpPr>
-          <p:cNvPr id="13" name="Flèche : courbe vers la droite 12">
-            <a:extLst>
-              <a:ext uri="{FF2B5EF4-FFF2-40B4-BE49-F238E27FC236}">
-                <a16:creationId xmlns:a16="http://schemas.microsoft.com/office/drawing/2014/main" id="{BCDA3228-2F1B-427F-885E-831C64815D7B}"/>
-              </a:ext>
-            </a:extLst>
-          </p:cNvPr>
-          <p:cNvSpPr/>
-          <p:nvPr/>
-        </p:nvSpPr>
-        <p:spPr>
-          <a:xfrm flipH="1">
-            <a:off x="7757374" y="1988222"/>
-            <a:ext cx="444367" cy="884187"/>
-          </a:xfrm>
-          <a:prstGeom prst="curvedRightArrow">
-            <a:avLst/>
-          </a:prstGeom>
-          <a:solidFill>
-            <a:srgbClr val="FF99FF"/>
-          </a:solidFill>
-          <a:ln>
-            <a:solidFill>
-              <a:srgbClr val="FF99FF"/>
-            </a:solidFill>
-          </a:ln>
-        </p:spPr>
-        <p:style>
-          <a:lnRef idx="2">
-            <a:schemeClr val="accent1">
-              <a:shade val="50000"/>
-            </a:schemeClr>
-          </a:lnRef>
-          <a:fillRef idx="1">
-            <a:schemeClr val="accent1"/>
-          </a:fillRef>
-          <a:effectRef idx="0">
-            <a:schemeClr val="accent1"/>
-          </a:effectRef>
-          <a:fontRef idx="minor">
-            <a:schemeClr val="lt1"/>
-          </a:fontRef>
-        </p:style>
-        <p:txBody>
-          <a:bodyPr rtlCol="0" anchor="ctr"/>
-          <a:lstStyle/>
-          <a:p>
-            <a:pPr algn="ctr"/>
-            <a:endParaRPr lang="en-GB">
+            <a:ln>
               <a:solidFill>
                 <a:schemeClr val="tx1"/>
               </a:solidFill>
-            </a:endParaRPr>
-          </a:p>
-        </p:txBody>
-      </p:sp>
-      <p:sp>
-        <p:nvSpPr>
-          <p:cNvPr id="14" name="Flèche : courbe vers la droite 13">
-            <a:extLst>
-              <a:ext uri="{FF2B5EF4-FFF2-40B4-BE49-F238E27FC236}">
-                <a16:creationId xmlns:a16="http://schemas.microsoft.com/office/drawing/2014/main" id="{76D87294-1B7C-4466-9288-1043B618BCFA}"/>
-              </a:ext>
-            </a:extLst>
-          </p:cNvPr>
-          <p:cNvSpPr/>
-          <p:nvPr/>
-        </p:nvSpPr>
-        <p:spPr>
-          <a:xfrm flipH="1">
-            <a:off x="4275784" y="2311578"/>
-            <a:ext cx="149692" cy="195458"/>
-          </a:xfrm>
-          <a:prstGeom prst="curvedRightArrow">
-            <a:avLst/>
-          </a:prstGeom>
-          <a:solidFill>
-            <a:srgbClr val="FF99FF"/>
-          </a:solidFill>
-          <a:ln>
-            <a:solidFill>
-              <a:srgbClr val="FF99FF"/>
-            </a:solidFill>
-          </a:ln>
-        </p:spPr>
-        <p:style>
-          <a:lnRef idx="2">
-            <a:schemeClr val="accent1">
-              <a:shade val="50000"/>
-            </a:schemeClr>
-          </a:lnRef>
-          <a:fillRef idx="1">
-            <a:schemeClr val="accent1"/>
-          </a:fillRef>
-          <a:effectRef idx="0">
-            <a:schemeClr val="accent1"/>
-          </a:effectRef>
-          <a:fontRef idx="minor">
-            <a:schemeClr val="lt1"/>
-          </a:fontRef>
-        </p:style>
-        <p:txBody>
-          <a:bodyPr rtlCol="0" anchor="ctr"/>
-          <a:lstStyle/>
-          <a:p>
-            <a:pPr algn="ctr"/>
-            <a:endParaRPr lang="en-GB">
+            </a:ln>
+          </p:spPr>
+          <p:style>
+            <a:lnRef idx="2">
+              <a:schemeClr val="accent1">
+                <a:shade val="50000"/>
+              </a:schemeClr>
+            </a:lnRef>
+            <a:fillRef idx="1">
+              <a:schemeClr val="accent1"/>
+            </a:fillRef>
+            <a:effectRef idx="0">
+              <a:schemeClr val="accent1"/>
+            </a:effectRef>
+            <a:fontRef idx="minor">
+              <a:schemeClr val="lt1"/>
+            </a:fontRef>
+          </p:style>
+          <p:txBody>
+            <a:bodyPr rtlCol="0" anchor="ctr"/>
+            <a:lstStyle/>
+            <a:p>
+              <a:pPr algn="ctr"/>
+              <a:endParaRPr lang="en-GB">
+                <a:solidFill>
+                  <a:schemeClr val="tx1"/>
+                </a:solidFill>
+              </a:endParaRPr>
+            </a:p>
+          </p:txBody>
+        </p:sp>
+        <p:sp>
+          <p:nvSpPr>
+            <p:cNvPr id="15" name="ZoneTexte 14">
+              <a:extLst>
+                <a:ext uri="{FF2B5EF4-FFF2-40B4-BE49-F238E27FC236}">
+                  <a16:creationId xmlns:a16="http://schemas.microsoft.com/office/drawing/2014/main" id="{8D8FF362-B88D-4F1B-AAC0-9E6AED47EE39}"/>
+                </a:ext>
+              </a:extLst>
+            </p:cNvPr>
+            <p:cNvSpPr txBox="1"/>
+            <p:nvPr/>
+          </p:nvSpPr>
+          <p:spPr>
+            <a:xfrm>
+              <a:off x="4793370" y="4781541"/>
+              <a:ext cx="1477618" cy="1200329"/>
+            </a:xfrm>
+            <a:prstGeom prst="rect">
+              <a:avLst/>
+            </a:prstGeom>
+            <a:noFill/>
+          </p:spPr>
+          <p:txBody>
+            <a:bodyPr wrap="square" rtlCol="0">
+              <a:spAutoFit/>
+            </a:bodyPr>
+            <a:lstStyle/>
+            <a:p>
+              <a:r>
+                <a:rPr lang="en-GB" dirty="0"/>
+                <a:t>Tip radius</a:t>
+              </a:r>
+            </a:p>
+            <a:p>
+              <a:r>
+                <a:rPr lang="en-GB" dirty="0"/>
+                <a:t>Hub radius</a:t>
+              </a:r>
+            </a:p>
+            <a:p>
+              <a:r>
+                <a:rPr lang="en-GB" dirty="0"/>
+                <a:t>Chord length</a:t>
+              </a:r>
+            </a:p>
+            <a:p>
+              <a:r>
+                <a:rPr lang="en-GB" dirty="0"/>
+                <a:t>Blade twist</a:t>
+              </a:r>
+            </a:p>
+          </p:txBody>
+        </p:sp>
+        <p:cxnSp>
+          <p:nvCxnSpPr>
+            <p:cNvPr id="16" name="Connecteur droit avec flèche 15">
+              <a:extLst>
+                <a:ext uri="{FF2B5EF4-FFF2-40B4-BE49-F238E27FC236}">
+                  <a16:creationId xmlns:a16="http://schemas.microsoft.com/office/drawing/2014/main" id="{9B0AD598-1BFA-4BAE-A9CE-28C772860117}"/>
+                </a:ext>
+              </a:extLst>
+            </p:cNvPr>
+            <p:cNvCxnSpPr>
+              <a:cxnSpLocks/>
+            </p:cNvCxnSpPr>
+            <p:nvPr/>
+          </p:nvCxnSpPr>
+          <p:spPr>
+            <a:xfrm flipV="1">
+              <a:off x="6740899" y="3043682"/>
+              <a:ext cx="1157792" cy="306453"/>
+            </a:xfrm>
+            <a:prstGeom prst="straightConnector1">
+              <a:avLst/>
+            </a:prstGeom>
+            <a:ln w="57150" cap="flat" cmpd="sng" algn="ctr">
+              <a:solidFill>
+                <a:srgbClr val="00B0F0"/>
+              </a:solidFill>
+              <a:prstDash val="solid"/>
+              <a:round/>
+              <a:headEnd type="arrow" w="med" len="med"/>
+              <a:tailEnd type="arrow" w="med" len="med"/>
+            </a:ln>
+          </p:spPr>
+          <p:style>
+            <a:lnRef idx="0">
+              <a:scrgbClr r="0" g="0" b="0"/>
+            </a:lnRef>
+            <a:fillRef idx="0">
+              <a:scrgbClr r="0" g="0" b="0"/>
+            </a:fillRef>
+            <a:effectRef idx="0">
+              <a:scrgbClr r="0" g="0" b="0"/>
+            </a:effectRef>
+            <a:fontRef idx="minor">
+              <a:schemeClr val="tx1"/>
+            </a:fontRef>
+          </p:style>
+        </p:cxnSp>
+        <p:cxnSp>
+          <p:nvCxnSpPr>
+            <p:cNvPr id="17" name="Connecteur droit avec flèche 16">
+              <a:extLst>
+                <a:ext uri="{FF2B5EF4-FFF2-40B4-BE49-F238E27FC236}">
+                  <a16:creationId xmlns:a16="http://schemas.microsoft.com/office/drawing/2014/main" id="{23A263ED-B14E-4647-ABD6-0BB2B89E3233}"/>
+                </a:ext>
+              </a:extLst>
+            </p:cNvPr>
+            <p:cNvCxnSpPr>
+              <a:cxnSpLocks/>
+            </p:cNvCxnSpPr>
+            <p:nvPr/>
+          </p:nvCxnSpPr>
+          <p:spPr>
+            <a:xfrm flipV="1">
+              <a:off x="6398435" y="1374371"/>
+              <a:ext cx="1088561" cy="278658"/>
+            </a:xfrm>
+            <a:prstGeom prst="straightConnector1">
+              <a:avLst/>
+            </a:prstGeom>
+            <a:ln w="57150" cap="flat" cmpd="sng" algn="ctr">
+              <a:solidFill>
+                <a:srgbClr val="00B0F0"/>
+              </a:solidFill>
+              <a:prstDash val="solid"/>
+              <a:round/>
+              <a:headEnd type="arrow" w="med" len="med"/>
+              <a:tailEnd type="arrow" w="med" len="med"/>
+            </a:ln>
+          </p:spPr>
+          <p:style>
+            <a:lnRef idx="0">
+              <a:scrgbClr r="0" g="0" b="0"/>
+            </a:lnRef>
+            <a:fillRef idx="0">
+              <a:scrgbClr r="0" g="0" b="0"/>
+            </a:fillRef>
+            <a:effectRef idx="0">
+              <a:scrgbClr r="0" g="0" b="0"/>
+            </a:effectRef>
+            <a:fontRef idx="minor">
+              <a:schemeClr val="tx1"/>
+            </a:fontRef>
+          </p:style>
+        </p:cxnSp>
+        <p:cxnSp>
+          <p:nvCxnSpPr>
+            <p:cNvPr id="24" name="Connecteur droit avec flèche 23">
+              <a:extLst>
+                <a:ext uri="{FF2B5EF4-FFF2-40B4-BE49-F238E27FC236}">
+                  <a16:creationId xmlns:a16="http://schemas.microsoft.com/office/drawing/2014/main" id="{2F2E3FFC-B2A2-4433-B99E-64C61A71CBCA}"/>
+                </a:ext>
+              </a:extLst>
+            </p:cNvPr>
+            <p:cNvCxnSpPr>
+              <a:cxnSpLocks/>
+            </p:cNvCxnSpPr>
+            <p:nvPr/>
+          </p:nvCxnSpPr>
+          <p:spPr>
+            <a:xfrm>
+              <a:off x="4345105" y="5538224"/>
+              <a:ext cx="389781" cy="0"/>
+            </a:xfrm>
+            <a:prstGeom prst="straightConnector1">
+              <a:avLst/>
+            </a:prstGeom>
+            <a:ln w="38100" cap="flat" cmpd="sng" algn="ctr">
+              <a:solidFill>
+                <a:srgbClr val="00B0F0"/>
+              </a:solidFill>
+              <a:prstDash val="solid"/>
+              <a:round/>
+              <a:headEnd type="arrow" w="med" len="med"/>
+              <a:tailEnd type="arrow" w="med" len="med"/>
+            </a:ln>
+          </p:spPr>
+          <p:style>
+            <a:lnRef idx="0">
+              <a:scrgbClr r="0" g="0" b="0"/>
+            </a:lnRef>
+            <a:fillRef idx="0">
+              <a:scrgbClr r="0" g="0" b="0"/>
+            </a:fillRef>
+            <a:effectRef idx="0">
+              <a:scrgbClr r="0" g="0" b="0"/>
+            </a:effectRef>
+            <a:fontRef idx="minor">
+              <a:schemeClr val="tx1"/>
+            </a:fontRef>
+          </p:style>
+        </p:cxnSp>
+        <p:cxnSp>
+          <p:nvCxnSpPr>
+            <p:cNvPr id="30" name="Connecteur droit avec flèche 29">
+              <a:extLst>
+                <a:ext uri="{FF2B5EF4-FFF2-40B4-BE49-F238E27FC236}">
+                  <a16:creationId xmlns:a16="http://schemas.microsoft.com/office/drawing/2014/main" id="{A9474F6F-9DB2-43A5-BA7D-C9C26D3E97E1}"/>
+                </a:ext>
+              </a:extLst>
+            </p:cNvPr>
+            <p:cNvCxnSpPr>
+              <a:cxnSpLocks/>
+            </p:cNvCxnSpPr>
+            <p:nvPr/>
+          </p:nvCxnSpPr>
+          <p:spPr>
+            <a:xfrm flipH="1">
+              <a:off x="4329183" y="4979667"/>
+              <a:ext cx="404552" cy="0"/>
+            </a:xfrm>
+            <a:prstGeom prst="straightConnector1">
+              <a:avLst/>
+            </a:prstGeom>
+            <a:ln w="38100" cap="flat" cmpd="sng" algn="ctr">
+              <a:solidFill>
+                <a:srgbClr val="FF0000"/>
+              </a:solidFill>
+              <a:prstDash val="solid"/>
+              <a:round/>
+              <a:headEnd type="arrow" w="med" len="med"/>
+              <a:tailEnd type="arrow" w="med" len="med"/>
+            </a:ln>
+          </p:spPr>
+          <p:style>
+            <a:lnRef idx="0">
+              <a:scrgbClr r="0" g="0" b="0"/>
+            </a:lnRef>
+            <a:fillRef idx="0">
+              <a:scrgbClr r="0" g="0" b="0"/>
+            </a:fillRef>
+            <a:effectRef idx="0">
+              <a:scrgbClr r="0" g="0" b="0"/>
+            </a:effectRef>
+            <a:fontRef idx="minor">
+              <a:schemeClr val="tx1"/>
+            </a:fontRef>
+          </p:style>
+        </p:cxnSp>
+        <p:cxnSp>
+          <p:nvCxnSpPr>
+            <p:cNvPr id="41" name="Connecteur droit avec flèche 40">
+              <a:extLst>
+                <a:ext uri="{FF2B5EF4-FFF2-40B4-BE49-F238E27FC236}">
+                  <a16:creationId xmlns:a16="http://schemas.microsoft.com/office/drawing/2014/main" id="{706E6130-AF51-40BB-97BD-9DC26D144491}"/>
+                </a:ext>
+              </a:extLst>
+            </p:cNvPr>
+            <p:cNvCxnSpPr/>
+            <p:nvPr/>
+          </p:nvCxnSpPr>
+          <p:spPr>
+            <a:xfrm>
+              <a:off x="7661230" y="5705062"/>
+              <a:ext cx="318988" cy="0"/>
+            </a:xfrm>
+            <a:prstGeom prst="straightConnector1">
+              <a:avLst/>
+            </a:prstGeom>
+            <a:ln w="57150">
               <a:solidFill>
                 <a:schemeClr val="tx1"/>
               </a:solidFill>
-            </a:endParaRPr>
-          </a:p>
-        </p:txBody>
-      </p:sp>
-      <p:sp>
-        <p:nvSpPr>
-          <p:cNvPr id="15" name="ZoneTexte 14">
-            <a:extLst>
-              <a:ext uri="{FF2B5EF4-FFF2-40B4-BE49-F238E27FC236}">
-                <a16:creationId xmlns:a16="http://schemas.microsoft.com/office/drawing/2014/main" id="{8D8FF362-B88D-4F1B-AAC0-9E6AED47EE39}"/>
-              </a:ext>
-            </a:extLst>
-          </p:cNvPr>
-          <p:cNvSpPr txBox="1"/>
-          <p:nvPr/>
-        </p:nvSpPr>
-        <p:spPr>
-          <a:xfrm>
-            <a:off x="4618382" y="1388057"/>
-            <a:ext cx="1477618" cy="1200329"/>
-          </a:xfrm>
-          <a:prstGeom prst="rect">
-            <a:avLst/>
-          </a:prstGeom>
-          <a:noFill/>
-        </p:spPr>
-        <p:txBody>
-          <a:bodyPr wrap="square" rtlCol="0">
-            <a:spAutoFit/>
-          </a:bodyPr>
-          <a:lstStyle/>
-          <a:p>
-            <a:r>
-              <a:rPr lang="en-GB" dirty="0"/>
-              <a:t>Tip radius</a:t>
-            </a:r>
-          </a:p>
-          <a:p>
-            <a:r>
-              <a:rPr lang="en-GB" dirty="0"/>
-              <a:t>Hub radius</a:t>
-            </a:r>
-          </a:p>
-          <a:p>
-            <a:r>
-              <a:rPr lang="en-GB" dirty="0"/>
-              <a:t>Chord length</a:t>
-            </a:r>
-          </a:p>
-          <a:p>
-            <a:r>
-              <a:rPr lang="en-GB" dirty="0"/>
-              <a:t>Blade twist</a:t>
-            </a:r>
-          </a:p>
-        </p:txBody>
-      </p:sp>
+              <a:tailEnd type="triangle"/>
+            </a:ln>
+          </p:spPr>
+          <p:style>
+            <a:lnRef idx="1">
+              <a:schemeClr val="accent1"/>
+            </a:lnRef>
+            <a:fillRef idx="0">
+              <a:schemeClr val="accent1"/>
+            </a:fillRef>
+            <a:effectRef idx="0">
+              <a:schemeClr val="accent1"/>
+            </a:effectRef>
+            <a:fontRef idx="minor">
+              <a:schemeClr val="tx1"/>
+            </a:fontRef>
+          </p:style>
+        </p:cxnSp>
+        <p:cxnSp>
+          <p:nvCxnSpPr>
+            <p:cNvPr id="42" name="Connecteur droit avec flèche 41">
+              <a:extLst>
+                <a:ext uri="{FF2B5EF4-FFF2-40B4-BE49-F238E27FC236}">
+                  <a16:creationId xmlns:a16="http://schemas.microsoft.com/office/drawing/2014/main" id="{09B0D35D-A017-4942-9623-FF63C4722FC2}"/>
+                </a:ext>
+              </a:extLst>
+            </p:cNvPr>
+            <p:cNvCxnSpPr>
+              <a:cxnSpLocks/>
+            </p:cNvCxnSpPr>
+            <p:nvPr/>
+          </p:nvCxnSpPr>
+          <p:spPr>
+            <a:xfrm>
+              <a:off x="4389120" y="5270028"/>
+              <a:ext cx="370838" cy="0"/>
+            </a:xfrm>
+            <a:prstGeom prst="straightConnector1">
+              <a:avLst/>
+            </a:prstGeom>
+            <a:ln w="57150">
+              <a:solidFill>
+                <a:schemeClr val="tx1"/>
+              </a:solidFill>
+              <a:tailEnd type="triangle"/>
+            </a:ln>
+          </p:spPr>
+          <p:style>
+            <a:lnRef idx="1">
+              <a:schemeClr val="accent1"/>
+            </a:lnRef>
+            <a:fillRef idx="0">
+              <a:schemeClr val="accent1"/>
+            </a:fillRef>
+            <a:effectRef idx="0">
+              <a:schemeClr val="accent1"/>
+            </a:effectRef>
+            <a:fontRef idx="minor">
+              <a:schemeClr val="tx1"/>
+            </a:fontRef>
+          </p:style>
+        </p:cxnSp>
+      </p:grpSp>
     </p:spTree>
     <p:extLst>
       <p:ext uri="{BB962C8B-B14F-4D97-AF65-F5344CB8AC3E}">
